--- a/img/timeline.pptx
+++ b/img/timeline.pptx
@@ -5,13 +5,14 @@
     <p:sldMasterId id="2147483648" r:id="rId1"/>
   </p:sldMasterIdLst>
   <p:notesMasterIdLst>
-    <p:notesMasterId r:id="rId3"/>
+    <p:notesMasterId r:id="rId4"/>
   </p:notesMasterIdLst>
   <p:handoutMasterIdLst>
-    <p:handoutMasterId r:id="rId4"/>
+    <p:handoutMasterId r:id="rId5"/>
   </p:handoutMasterIdLst>
   <p:sldIdLst>
     <p:sldId id="268" r:id="rId2"/>
+    <p:sldId id="269" r:id="rId3"/>
   </p:sldIdLst>
   <p:sldSz cx="12192000" cy="6858000"/>
   <p:notesSz cx="6858000" cy="9144000"/>
@@ -214,7 +215,7 @@
           <a:p>
             <a:fld id="{1045BCCB-CFE3-4C19-919C-0F53BF3D0121}" type="datetimeFigureOut">
               <a:rPr lang="en-US" smtClean="0"/>
-              <a:t>6/26/2017</a:t>
+              <a:t>5/1/2018</a:t>
             </a:fld>
             <a:endParaRPr lang="en-US"/>
           </a:p>
@@ -379,7 +380,7 @@
           <a:p>
             <a:fld id="{4C680969-15F1-4BE5-9A19-25B3FA889CE5}" type="datetimeFigureOut">
               <a:rPr lang="en-US" smtClean="0"/>
-              <a:t>6/26/2017</a:t>
+              <a:t>5/1/2018</a:t>
             </a:fld>
             <a:endParaRPr lang="en-US"/>
           </a:p>
@@ -765,7 +766,7 @@
           <a:p>
             <a:fld id="{B9BCD167-7AAC-467C-8B30-D24989F52F7C}" type="datetime1">
               <a:rPr lang="en-US" smtClean="0"/>
-              <a:t>6/26/2017</a:t>
+              <a:t>5/1/2018</a:t>
             </a:fld>
             <a:endParaRPr lang="en-US"/>
           </a:p>
@@ -1206,7 +1207,7 @@
           <a:p>
             <a:fld id="{B9BCD167-7AAC-467C-8B30-D24989F52F7C}" type="datetime1">
               <a:rPr lang="en-US" smtClean="0"/>
-              <a:t>6/26/2017</a:t>
+              <a:t>5/1/2018</a:t>
             </a:fld>
             <a:endParaRPr lang="en-US"/>
           </a:p>
@@ -1483,7 +1484,7 @@
           <a:p>
             <a:fld id="{2460387A-34C5-4923-8367-AE33BFA919B7}" type="datetime1">
               <a:rPr lang="en-US" smtClean="0"/>
-              <a:t>6/26/2017</a:t>
+              <a:t>5/1/2018</a:t>
             </a:fld>
             <a:endParaRPr lang="en-US"/>
           </a:p>
@@ -2634,7 +2635,7 @@
           <a:p>
             <a:fld id="{A0FFE495-51E4-4D40-BE19-F5E0B00266E2}" type="datetime1">
               <a:rPr lang="en-US" smtClean="0"/>
-              <a:t>6/26/2017</a:t>
+              <a:t>5/1/2018</a:t>
             </a:fld>
             <a:endParaRPr lang="en-US"/>
           </a:p>
@@ -3055,7 +3056,7 @@
           <a:p>
             <a:fld id="{B9BCD167-7AAC-467C-8B30-D24989F52F7C}" type="datetime1">
               <a:rPr lang="en-US" smtClean="0"/>
-              <a:t>6/26/2017</a:t>
+              <a:t>5/1/2018</a:t>
             </a:fld>
             <a:endParaRPr lang="en-US"/>
           </a:p>
@@ -3118,10 +3119,10 @@
       </p:sp>
       <p:grpSp>
         <p:nvGrpSpPr>
-          <p:cNvPr id="39" name="Group 38">
+          <p:cNvPr id="45" name="Group 44">
             <a:extLst>
               <a:ext uri="{FF2B5EF4-FFF2-40B4-BE49-F238E27FC236}">
-                <a16:creationId xmlns:a16="http://schemas.microsoft.com/office/drawing/2014/main" id="{132C0785-C329-4A2F-9021-6D4722A81304}"/>
+                <a16:creationId xmlns:a16="http://schemas.microsoft.com/office/drawing/2014/main" id="{31C0EE52-869C-47E5-B3DE-DA3DB5109BD3}"/>
               </a:ext>
             </a:extLst>
           </p:cNvPr>
@@ -3130,10 +3131,10 @@
         </p:nvGrpSpPr>
         <p:grpSpPr>
           <a:xfrm>
-            <a:off x="1093899" y="1487102"/>
-            <a:ext cx="9712800" cy="2990177"/>
-            <a:chOff x="1093899" y="1487102"/>
-            <a:chExt cx="9712800" cy="2990177"/>
+            <a:off x="-260171" y="2747190"/>
+            <a:ext cx="12852709" cy="1455583"/>
+            <a:chOff x="-260171" y="2747190"/>
+            <a:chExt cx="12852709" cy="1455583"/>
           </a:xfrm>
         </p:grpSpPr>
         <p:grpSp>
@@ -3150,7 +3151,7 @@
           </p:nvGrpSpPr>
           <p:grpSpPr>
             <a:xfrm>
-              <a:off x="1326365" y="2607739"/>
+              <a:off x="389220" y="3378931"/>
               <a:ext cx="9265692" cy="335746"/>
               <a:chOff x="2138264" y="5985454"/>
               <a:chExt cx="4871287" cy="176513"/>
@@ -3818,8 +3819,8 @@
             <p:nvPr/>
           </p:nvSpPr>
           <p:spPr>
-            <a:xfrm rot="5400000">
-              <a:off x="817932" y="3647312"/>
+            <a:xfrm>
+              <a:off x="-260171" y="3766755"/>
               <a:ext cx="1475268" cy="184666"/>
             </a:xfrm>
             <a:prstGeom prst="rect">
@@ -3837,6 +3838,7 @@
             </a:bodyPr>
             <a:lstStyle/>
             <a:p>
+              <a:pPr algn="ctr"/>
               <a:r>
                 <a:rPr lang="en-US" sz="1200" b="1" dirty="0">
                   <a:latin typeface="Raleway" panose="020B0503030101060003" pitchFamily="34" charset="0"/>
@@ -3859,8 +3861,8 @@
             <p:nvPr/>
           </p:nvSpPr>
           <p:spPr>
-            <a:xfrm rot="5400000">
-              <a:off x="675357" y="3425258"/>
+            <a:xfrm>
+              <a:off x="-171913" y="3925774"/>
               <a:ext cx="1298753" cy="276999"/>
             </a:xfrm>
             <a:prstGeom prst="rect">
@@ -3896,8 +3898,8 @@
             <p:nvPr/>
           </p:nvSpPr>
           <p:spPr>
-            <a:xfrm rot="5400000">
-              <a:off x="3075753" y="3647312"/>
+            <a:xfrm>
+              <a:off x="1990564" y="3766755"/>
               <a:ext cx="1475268" cy="184666"/>
             </a:xfrm>
             <a:prstGeom prst="rect">
@@ -3915,6 +3917,7 @@
             </a:bodyPr>
             <a:lstStyle/>
             <a:p>
+              <a:pPr algn="ctr"/>
               <a:r>
                 <a:rPr lang="en-US" sz="1200" b="1" dirty="0">
                   <a:latin typeface="Raleway" panose="020B0503030101060003" pitchFamily="34" charset="0"/>
@@ -3937,8 +3940,8 @@
             <p:nvPr/>
           </p:nvSpPr>
           <p:spPr>
-            <a:xfrm rot="5400000">
-              <a:off x="3121531" y="3236905"/>
+            <a:xfrm>
+              <a:off x="2267175" y="3925774"/>
               <a:ext cx="922047" cy="276999"/>
             </a:xfrm>
             <a:prstGeom prst="rect">
@@ -3974,8 +3977,8 @@
             <p:nvPr/>
           </p:nvSpPr>
           <p:spPr>
-            <a:xfrm rot="5400000">
-              <a:off x="5360076" y="3647312"/>
+            <a:xfrm>
+              <a:off x="4292298" y="3766755"/>
               <a:ext cx="1475268" cy="184666"/>
             </a:xfrm>
             <a:prstGeom prst="rect">
@@ -3993,6 +3996,7 @@
             </a:bodyPr>
             <a:lstStyle/>
             <a:p>
+              <a:pPr algn="ctr"/>
               <a:r>
                 <a:rPr lang="en-US" sz="1200" b="1" dirty="0">
                   <a:latin typeface="Raleway" panose="020B0503030101060003" pitchFamily="34" charset="0"/>
@@ -4015,8 +4019,8 @@
             <p:nvPr/>
           </p:nvSpPr>
           <p:spPr>
-            <a:xfrm rot="5400000">
-              <a:off x="5405854" y="3236905"/>
+            <a:xfrm>
+              <a:off x="4568909" y="3925774"/>
               <a:ext cx="922047" cy="276999"/>
             </a:xfrm>
             <a:prstGeom prst="rect">
@@ -4052,8 +4056,8 @@
             <p:nvPr/>
           </p:nvSpPr>
           <p:spPr>
-            <a:xfrm rot="5400000">
-              <a:off x="7665676" y="3647312"/>
+            <a:xfrm>
+              <a:off x="6606609" y="3766755"/>
               <a:ext cx="1475268" cy="184666"/>
             </a:xfrm>
             <a:prstGeom prst="rect">
@@ -4071,11 +4075,12 @@
             </a:bodyPr>
             <a:lstStyle/>
             <a:p>
+              <a:pPr algn="ctr"/>
               <a:r>
                 <a:rPr lang="en-US" sz="1200" b="1" dirty="0">
                   <a:latin typeface="Raleway" panose="020B0503030101060003" pitchFamily="34" charset="0"/>
                 </a:rPr>
-                <a:t>Data Science Lead</a:t>
+                <a:t>Lead Data Scientist</a:t>
               </a:r>
             </a:p>
           </p:txBody>
@@ -4093,8 +4098,8 @@
             <p:nvPr/>
           </p:nvSpPr>
           <p:spPr>
-            <a:xfrm rot="5400000">
-              <a:off x="7784391" y="3163969"/>
+            <a:xfrm>
+              <a:off x="6956156" y="3925774"/>
               <a:ext cx="776175" cy="276999"/>
             </a:xfrm>
             <a:prstGeom prst="rect">
@@ -4133,9 +4138,9 @@
             <p:nvPr/>
           </p:nvSpPr>
           <p:spPr>
-            <a:xfrm rot="5400000">
-              <a:off x="10108923" y="3446707"/>
-              <a:ext cx="1074057" cy="184666"/>
+            <a:xfrm>
+              <a:off x="8900104" y="3766755"/>
+              <a:ext cx="1373562" cy="184666"/>
             </a:xfrm>
             <a:prstGeom prst="rect">
               <a:avLst/>
@@ -4152,11 +4157,12 @@
             </a:bodyPr>
             <a:lstStyle/>
             <a:p>
+              <a:pPr algn="ctr"/>
               <a:r>
                 <a:rPr lang="en-US" sz="1200" b="1" dirty="0">
                   <a:latin typeface="Raleway" panose="020B0503030101060003" pitchFamily="34" charset="0"/>
                 </a:rPr>
-                <a:t>Head R&amp;D</a:t>
+                <a:t>Head DS Products</a:t>
               </a:r>
             </a:p>
           </p:txBody>
@@ -4174,8 +4180,8 @@
             <p:nvPr/>
           </p:nvSpPr>
           <p:spPr>
-            <a:xfrm rot="5400000">
-              <a:off x="10016878" y="3163969"/>
+            <a:xfrm>
+              <a:off x="9198798" y="3925774"/>
               <a:ext cx="776175" cy="276999"/>
             </a:xfrm>
             <a:prstGeom prst="rect">
@@ -4214,8 +4220,8 @@
             <p:nvPr/>
           </p:nvSpPr>
           <p:spPr>
-            <a:xfrm rot="5400000">
-              <a:off x="866273" y="1714728"/>
+            <a:xfrm>
+              <a:off x="-70872" y="2747190"/>
               <a:ext cx="1101584" cy="646331"/>
             </a:xfrm>
             <a:prstGeom prst="rect">
@@ -4249,8 +4255,8 @@
             <p:nvPr/>
           </p:nvSpPr>
           <p:spPr>
-            <a:xfrm rot="5400000">
-              <a:off x="3102818" y="1714728"/>
+            <a:xfrm>
+              <a:off x="2165673" y="2747190"/>
               <a:ext cx="1101584" cy="646331"/>
             </a:xfrm>
             <a:prstGeom prst="rect">
@@ -4284,8 +4290,8 @@
             <p:nvPr/>
           </p:nvSpPr>
           <p:spPr>
-            <a:xfrm rot="5400000">
-              <a:off x="5408417" y="1714728"/>
+            <a:xfrm>
+              <a:off x="4471272" y="2747190"/>
               <a:ext cx="1101584" cy="646331"/>
             </a:xfrm>
             <a:prstGeom prst="rect">
@@ -4319,8 +4325,8 @@
             <p:nvPr/>
           </p:nvSpPr>
           <p:spPr>
-            <a:xfrm rot="5400000">
-              <a:off x="7714016" y="1714728"/>
+            <a:xfrm>
+              <a:off x="6776871" y="2747190"/>
               <a:ext cx="1101584" cy="646331"/>
             </a:xfrm>
             <a:prstGeom prst="rect">
@@ -4354,8 +4360,122 @@
             <p:nvPr/>
           </p:nvSpPr>
           <p:spPr>
-            <a:xfrm rot="5400000">
-              <a:off x="9932742" y="1714728"/>
+            <a:xfrm>
+              <a:off x="9013015" y="2747190"/>
+              <a:ext cx="1101584" cy="646331"/>
+            </a:xfrm>
+            <a:prstGeom prst="rect">
+              <a:avLst/>
+            </a:prstGeom>
+            <a:noFill/>
+          </p:spPr>
+          <p:txBody>
+            <a:bodyPr wrap="none" rtlCol="0">
+              <a:spAutoFit/>
+            </a:bodyPr>
+            <a:lstStyle/>
+            <a:p>
+              <a:r>
+                <a:rPr lang="en-US" sz="3600" b="1" dirty="0"/>
+                <a:t>2016</a:t>
+              </a:r>
+            </a:p>
+          </p:txBody>
+        </p:sp>
+        <p:sp>
+          <p:nvSpPr>
+            <p:cNvPr id="34" name="TextBox 33">
+              <a:extLst>
+                <a:ext uri="{FF2B5EF4-FFF2-40B4-BE49-F238E27FC236}">
+                  <a16:creationId xmlns:a16="http://schemas.microsoft.com/office/drawing/2014/main" id="{E4680815-8E4D-4680-86A8-C4EFA4F17EFD}"/>
+                </a:ext>
+              </a:extLst>
+            </p:cNvPr>
+            <p:cNvSpPr txBox="1"/>
+            <p:nvPr/>
+          </p:nvSpPr>
+          <p:spPr>
+            <a:xfrm>
+              <a:off x="11018677" y="3766755"/>
+              <a:ext cx="1573861" cy="184666"/>
+            </a:xfrm>
+            <a:prstGeom prst="rect">
+              <a:avLst/>
+            </a:prstGeom>
+            <a:noFill/>
+            <a:ln w="6350">
+              <a:noFill/>
+              <a:prstDash val="dash"/>
+            </a:ln>
+          </p:spPr>
+          <p:txBody>
+            <a:bodyPr wrap="square" lIns="0" tIns="0" rIns="0" bIns="0" rtlCol="0">
+              <a:spAutoFit/>
+            </a:bodyPr>
+            <a:lstStyle/>
+            <a:p>
+              <a:pPr algn="ctr"/>
+              <a:r>
+                <a:rPr lang="en-US" sz="1200" b="1" dirty="0">
+                  <a:latin typeface="Raleway" panose="020B0503030101060003" pitchFamily="34" charset="0"/>
+                </a:rPr>
+                <a:t>Lead Data Scientist</a:t>
+              </a:r>
+            </a:p>
+          </p:txBody>
+        </p:sp>
+        <p:sp>
+          <p:nvSpPr>
+            <p:cNvPr id="35" name="TextBox 34">
+              <a:extLst>
+                <a:ext uri="{FF2B5EF4-FFF2-40B4-BE49-F238E27FC236}">
+                  <a16:creationId xmlns:a16="http://schemas.microsoft.com/office/drawing/2014/main" id="{7F82C56B-74D5-46F3-B283-6126FDC93623}"/>
+                </a:ext>
+              </a:extLst>
+            </p:cNvPr>
+            <p:cNvSpPr txBox="1"/>
+            <p:nvPr/>
+          </p:nvSpPr>
+          <p:spPr>
+            <a:xfrm>
+              <a:off x="11039211" y="3925774"/>
+              <a:ext cx="1532792" cy="276999"/>
+            </a:xfrm>
+            <a:prstGeom prst="rect">
+              <a:avLst/>
+            </a:prstGeom>
+            <a:noFill/>
+          </p:spPr>
+          <p:txBody>
+            <a:bodyPr wrap="none" rtlCol="0">
+              <a:spAutoFit/>
+            </a:bodyPr>
+            <a:lstStyle/>
+            <a:p>
+              <a:r>
+                <a:rPr lang="en-US" sz="1200" dirty="0">
+                  <a:latin typeface="Raleway" panose="020B0503030101060003" pitchFamily="34" charset="0"/>
+                </a:rPr>
+                <a:t>Reliance Industries</a:t>
+              </a:r>
+            </a:p>
+          </p:txBody>
+        </p:sp>
+        <p:sp>
+          <p:nvSpPr>
+            <p:cNvPr id="36" name="TextBox 35">
+              <a:extLst>
+                <a:ext uri="{FF2B5EF4-FFF2-40B4-BE49-F238E27FC236}">
+                  <a16:creationId xmlns:a16="http://schemas.microsoft.com/office/drawing/2014/main" id="{EDDE4404-B25A-4340-922E-056A76E3BD17}"/>
+                </a:ext>
+              </a:extLst>
+            </p:cNvPr>
+            <p:cNvSpPr txBox="1"/>
+            <p:nvPr/>
+          </p:nvSpPr>
+          <p:spPr>
+            <a:xfrm>
+              <a:off x="11231738" y="2747190"/>
               <a:ext cx="1101584" cy="646331"/>
             </a:xfrm>
             <a:prstGeom prst="rect">
@@ -4380,11 +4500,1852 @@
             </a:p>
           </p:txBody>
         </p:sp>
+        <p:sp>
+          <p:nvSpPr>
+            <p:cNvPr id="37" name="Line 7">
+              <a:extLst>
+                <a:ext uri="{FF2B5EF4-FFF2-40B4-BE49-F238E27FC236}">
+                  <a16:creationId xmlns:a16="http://schemas.microsoft.com/office/drawing/2014/main" id="{53C3D8B8-939E-4255-803F-28C89F482079}"/>
+                </a:ext>
+              </a:extLst>
+            </p:cNvPr>
+            <p:cNvSpPr>
+              <a:spLocks noChangeShapeType="1"/>
+            </p:cNvSpPr>
+            <p:nvPr/>
+          </p:nvSpPr>
+          <p:spPr bwMode="auto">
+            <a:xfrm>
+              <a:off x="9738181" y="3541284"/>
+              <a:ext cx="2090261" cy="0"/>
+            </a:xfrm>
+            <a:prstGeom prst="line">
+              <a:avLst/>
+            </a:prstGeom>
+            <a:noFill/>
+            <a:ln w="12700" cap="flat">
+              <a:solidFill>
+                <a:schemeClr val="tx1">
+                  <a:lumMod val="50000"/>
+                  <a:lumOff val="50000"/>
+                </a:schemeClr>
+              </a:solidFill>
+              <a:prstDash val="solid"/>
+              <a:miter lim="800000"/>
+              <a:headEnd/>
+              <a:tailEnd/>
+            </a:ln>
+            <a:extLst>
+              <a:ext uri="{909E8E84-426E-40DD-AFC4-6F175D3DCCD1}">
+                <a14:hiddenFill xmlns:a14="http://schemas.microsoft.com/office/drawing/2010/main">
+                  <a:noFill/>
+                </a14:hiddenFill>
+              </a:ext>
+            </a:extLst>
+          </p:spPr>
+          <p:txBody>
+            <a:bodyPr vert="horz" wrap="square" lIns="91440" tIns="45720" rIns="91440" bIns="45720" numCol="1" anchor="t" anchorCtr="0" compatLnSpc="1">
+              <a:prstTxWarp prst="textNoShape">
+                <a:avLst/>
+              </a:prstTxWarp>
+            </a:bodyPr>
+            <a:lstStyle/>
+            <a:p>
+              <a:endParaRPr lang="en-US"/>
+            </a:p>
+          </p:txBody>
+        </p:sp>
+        <p:sp>
+          <p:nvSpPr>
+            <p:cNvPr id="38" name="Arc 37">
+              <a:extLst>
+                <a:ext uri="{FF2B5EF4-FFF2-40B4-BE49-F238E27FC236}">
+                  <a16:creationId xmlns:a16="http://schemas.microsoft.com/office/drawing/2014/main" id="{CE7F9C4A-63F8-4FCA-A90F-2E2F9CE9BFC8}"/>
+                </a:ext>
+              </a:extLst>
+            </p:cNvPr>
+            <p:cNvSpPr/>
+            <p:nvPr/>
+          </p:nvSpPr>
+          <p:spPr>
+            <a:xfrm>
+              <a:off x="9402435" y="3373412"/>
+              <a:ext cx="335746" cy="335746"/>
+            </a:xfrm>
+            <a:prstGeom prst="arc">
+              <a:avLst>
+                <a:gd name="adj1" fmla="val 13550007"/>
+                <a:gd name="adj2" fmla="val 8407218"/>
+              </a:avLst>
+            </a:prstGeom>
+            <a:noFill/>
+            <a:ln w="12700">
+              <a:solidFill>
+                <a:schemeClr val="bg1">
+                  <a:lumMod val="50000"/>
+                </a:schemeClr>
+              </a:solidFill>
+            </a:ln>
+          </p:spPr>
+          <p:style>
+            <a:lnRef idx="2">
+              <a:schemeClr val="accent1">
+                <a:shade val="50000"/>
+              </a:schemeClr>
+            </a:lnRef>
+            <a:fillRef idx="1">
+              <a:schemeClr val="accent1"/>
+            </a:fillRef>
+            <a:effectRef idx="0">
+              <a:schemeClr val="accent1"/>
+            </a:effectRef>
+            <a:fontRef idx="minor">
+              <a:schemeClr val="lt1"/>
+            </a:fontRef>
+          </p:style>
+          <p:txBody>
+            <a:bodyPr rtlCol="0" anchor="ctr"/>
+            <a:lstStyle/>
+            <a:p>
+              <a:pPr algn="ctr"/>
+              <a:endParaRPr lang="en-US"/>
+            </a:p>
+          </p:txBody>
+        </p:sp>
+        <p:sp>
+          <p:nvSpPr>
+            <p:cNvPr id="40" name="Oval 39">
+              <a:extLst>
+                <a:ext uri="{FF2B5EF4-FFF2-40B4-BE49-F238E27FC236}">
+                  <a16:creationId xmlns:a16="http://schemas.microsoft.com/office/drawing/2014/main" id="{DF6600F5-AF78-4B15-8481-EB01F91DDA9A}"/>
+                </a:ext>
+              </a:extLst>
+            </p:cNvPr>
+            <p:cNvSpPr/>
+            <p:nvPr/>
+          </p:nvSpPr>
+          <p:spPr>
+            <a:xfrm>
+              <a:off x="11708035" y="3446525"/>
+              <a:ext cx="189518" cy="189518"/>
+            </a:xfrm>
+            <a:prstGeom prst="ellipse">
+              <a:avLst/>
+            </a:prstGeom>
+            <a:solidFill>
+              <a:srgbClr val="BDCD49"/>
+            </a:solidFill>
+            <a:ln>
+              <a:noFill/>
+            </a:ln>
+          </p:spPr>
+          <p:style>
+            <a:lnRef idx="2">
+              <a:schemeClr val="accent1">
+                <a:shade val="50000"/>
+              </a:schemeClr>
+            </a:lnRef>
+            <a:fillRef idx="1">
+              <a:schemeClr val="accent1"/>
+            </a:fillRef>
+            <a:effectRef idx="0">
+              <a:schemeClr val="accent1"/>
+            </a:effectRef>
+            <a:fontRef idx="minor">
+              <a:schemeClr val="lt1"/>
+            </a:fontRef>
+          </p:style>
+          <p:txBody>
+            <a:bodyPr rtlCol="0" anchor="ctr"/>
+            <a:lstStyle/>
+            <a:p>
+              <a:pPr algn="ctr"/>
+              <a:endParaRPr lang="en-US"/>
+            </a:p>
+          </p:txBody>
+        </p:sp>
       </p:grpSp>
     </p:spTree>
     <p:extLst>
       <p:ext uri="{BB962C8B-B14F-4D97-AF65-F5344CB8AC3E}">
         <p14:creationId xmlns:p14="http://schemas.microsoft.com/office/powerpoint/2010/main" val="2687387701"/>
+      </p:ext>
+    </p:extLst>
+  </p:cSld>
+  <p:clrMapOvr>
+    <a:masterClrMapping/>
+  </p:clrMapOvr>
+</p:sld>
+</file>
+
+<file path=ppt/slides/slide2.xml><?xml version="1.0" encoding="utf-8"?>
+<p:sld xmlns:a="http://schemas.openxmlformats.org/drawingml/2006/main" xmlns:r="http://schemas.openxmlformats.org/officeDocument/2006/relationships" xmlns:p="http://schemas.openxmlformats.org/presentationml/2006/main">
+  <p:cSld>
+    <p:spTree>
+      <p:nvGrpSpPr>
+        <p:cNvPr id="1" name=""/>
+        <p:cNvGrpSpPr/>
+        <p:nvPr/>
+      </p:nvGrpSpPr>
+      <p:grpSpPr>
+        <a:xfrm>
+          <a:off x="0" y="0"/>
+          <a:ext cx="0" cy="0"/>
+          <a:chOff x="0" y="0"/>
+          <a:chExt cx="0" cy="0"/>
+        </a:xfrm>
+      </p:grpSpPr>
+      <p:sp>
+        <p:nvSpPr>
+          <p:cNvPr id="2" name="Date Placeholder 1">
+            <a:extLst>
+              <a:ext uri="{FF2B5EF4-FFF2-40B4-BE49-F238E27FC236}">
+                <a16:creationId xmlns:a16="http://schemas.microsoft.com/office/drawing/2014/main" id="{1D17ABCD-BEBC-4070-9BB5-868620D448CB}"/>
+              </a:ext>
+            </a:extLst>
+          </p:cNvPr>
+          <p:cNvSpPr>
+            <a:spLocks noGrp="1"/>
+          </p:cNvSpPr>
+          <p:nvPr>
+            <p:ph type="dt" sz="half" idx="10"/>
+          </p:nvPr>
+        </p:nvSpPr>
+        <p:spPr/>
+        <p:txBody>
+          <a:bodyPr/>
+          <a:lstStyle/>
+          <a:p>
+            <a:fld id="{B9BCD167-7AAC-467C-8B30-D24989F52F7C}" type="datetime1">
+              <a:rPr lang="en-US" smtClean="0"/>
+              <a:t>5/1/2018</a:t>
+            </a:fld>
+            <a:endParaRPr lang="en-US"/>
+          </a:p>
+        </p:txBody>
+      </p:sp>
+      <p:sp>
+        <p:nvSpPr>
+          <p:cNvPr id="3" name="Slide Number Placeholder 2">
+            <a:extLst>
+              <a:ext uri="{FF2B5EF4-FFF2-40B4-BE49-F238E27FC236}">
+                <a16:creationId xmlns:a16="http://schemas.microsoft.com/office/drawing/2014/main" id="{A9D3FC85-435C-4B01-9C16-41D2DB3E4B34}"/>
+              </a:ext>
+            </a:extLst>
+          </p:cNvPr>
+          <p:cNvSpPr>
+            <a:spLocks noGrp="1"/>
+          </p:cNvSpPr>
+          <p:nvPr>
+            <p:ph type="sldNum" sz="quarter" idx="12"/>
+          </p:nvPr>
+        </p:nvSpPr>
+        <p:spPr/>
+        <p:txBody>
+          <a:bodyPr/>
+          <a:lstStyle/>
+          <a:p>
+            <a:fld id="{E7EFC1C6-BBC3-402C-9E94-AB07C99168D4}" type="slidenum">
+              <a:rPr lang="en-US" smtClean="0"/>
+              <a:pPr/>
+              <a:t>2</a:t>
+            </a:fld>
+            <a:endParaRPr lang="en-US"/>
+          </a:p>
+        </p:txBody>
+      </p:sp>
+      <p:sp>
+        <p:nvSpPr>
+          <p:cNvPr id="4" name="Text Placeholder 3">
+            <a:extLst>
+              <a:ext uri="{FF2B5EF4-FFF2-40B4-BE49-F238E27FC236}">
+                <a16:creationId xmlns:a16="http://schemas.microsoft.com/office/drawing/2014/main" id="{F21C67D2-0A7E-4631-BFA7-27C884FA206E}"/>
+              </a:ext>
+            </a:extLst>
+          </p:cNvPr>
+          <p:cNvSpPr>
+            <a:spLocks noGrp="1"/>
+          </p:cNvSpPr>
+          <p:nvPr>
+            <p:ph type="body" sz="quarter" idx="13"/>
+          </p:nvPr>
+        </p:nvSpPr>
+        <p:spPr/>
+        <p:txBody>
+          <a:bodyPr/>
+          <a:lstStyle/>
+          <a:p>
+            <a:endParaRPr lang="en-US" dirty="0"/>
+          </a:p>
+        </p:txBody>
+      </p:sp>
+      <p:grpSp>
+        <p:nvGrpSpPr>
+          <p:cNvPr id="33" name="Group 32">
+            <a:extLst>
+              <a:ext uri="{FF2B5EF4-FFF2-40B4-BE49-F238E27FC236}">
+                <a16:creationId xmlns:a16="http://schemas.microsoft.com/office/drawing/2014/main" id="{3422D786-9EFC-48D2-AE9B-63051D75ABB9}"/>
+              </a:ext>
+            </a:extLst>
+          </p:cNvPr>
+          <p:cNvGrpSpPr/>
+          <p:nvPr/>
+        </p:nvGrpSpPr>
+        <p:grpSpPr>
+          <a:xfrm>
+            <a:off x="156754" y="2258294"/>
+            <a:ext cx="11931523" cy="3088771"/>
+            <a:chOff x="156754" y="2258294"/>
+            <a:chExt cx="11931523" cy="3088771"/>
+          </a:xfrm>
+        </p:grpSpPr>
+        <p:grpSp>
+          <p:nvGrpSpPr>
+            <p:cNvPr id="39" name="Group 38">
+              <a:extLst>
+                <a:ext uri="{FF2B5EF4-FFF2-40B4-BE49-F238E27FC236}">
+                  <a16:creationId xmlns:a16="http://schemas.microsoft.com/office/drawing/2014/main" id="{132C0785-C329-4A2F-9021-6D4722A81304}"/>
+                </a:ext>
+              </a:extLst>
+            </p:cNvPr>
+            <p:cNvGrpSpPr/>
+            <p:nvPr/>
+          </p:nvGrpSpPr>
+          <p:grpSpPr>
+            <a:xfrm>
+              <a:off x="156754" y="2258294"/>
+              <a:ext cx="9712800" cy="2990177"/>
+              <a:chOff x="1093899" y="1487102"/>
+              <a:chExt cx="9712800" cy="2990177"/>
+            </a:xfrm>
+          </p:grpSpPr>
+          <p:grpSp>
+            <p:nvGrpSpPr>
+              <p:cNvPr id="5" name="Group 4">
+                <a:extLst>
+                  <a:ext uri="{FF2B5EF4-FFF2-40B4-BE49-F238E27FC236}">
+                    <a16:creationId xmlns:a16="http://schemas.microsoft.com/office/drawing/2014/main" id="{CFD2F18C-E2E0-463F-9D1E-CF9F94261E9F}"/>
+                  </a:ext>
+                </a:extLst>
+              </p:cNvPr>
+              <p:cNvGrpSpPr/>
+              <p:nvPr/>
+            </p:nvGrpSpPr>
+            <p:grpSpPr>
+              <a:xfrm>
+                <a:off x="1326365" y="2607739"/>
+                <a:ext cx="9265692" cy="335746"/>
+                <a:chOff x="2138264" y="5985454"/>
+                <a:chExt cx="4871287" cy="176513"/>
+              </a:xfrm>
+            </p:grpSpPr>
+            <p:sp>
+              <p:nvSpPr>
+                <p:cNvPr id="6" name="Line 7">
+                  <a:extLst>
+                    <a:ext uri="{FF2B5EF4-FFF2-40B4-BE49-F238E27FC236}">
+                      <a16:creationId xmlns:a16="http://schemas.microsoft.com/office/drawing/2014/main" id="{825F13EF-DBA4-47D0-BE1B-37CE44E644F7}"/>
+                    </a:ext>
+                  </a:extLst>
+                </p:cNvPr>
+                <p:cNvSpPr>
+                  <a:spLocks noChangeShapeType="1"/>
+                </p:cNvSpPr>
+                <p:nvPr/>
+              </p:nvSpPr>
+              <p:spPr bwMode="auto">
+                <a:xfrm>
+                  <a:off x="2230503" y="6073710"/>
+                  <a:ext cx="1098921" cy="0"/>
+                </a:xfrm>
+                <a:prstGeom prst="line">
+                  <a:avLst/>
+                </a:prstGeom>
+                <a:noFill/>
+                <a:ln w="12700" cap="flat">
+                  <a:solidFill>
+                    <a:schemeClr val="bg1">
+                      <a:lumMod val="50000"/>
+                    </a:schemeClr>
+                  </a:solidFill>
+                  <a:prstDash val="solid"/>
+                  <a:miter lim="800000"/>
+                  <a:headEnd/>
+                  <a:tailEnd/>
+                </a:ln>
+                <a:extLst>
+                  <a:ext uri="{909E8E84-426E-40DD-AFC4-6F175D3DCCD1}">
+                    <a14:hiddenFill xmlns:a14="http://schemas.microsoft.com/office/drawing/2010/main">
+                      <a:noFill/>
+                    </a14:hiddenFill>
+                  </a:ext>
+                </a:extLst>
+              </p:spPr>
+              <p:txBody>
+                <a:bodyPr vert="horz" wrap="square" lIns="91440" tIns="45720" rIns="91440" bIns="45720" numCol="1" anchor="t" anchorCtr="0" compatLnSpc="1">
+                  <a:prstTxWarp prst="textNoShape">
+                    <a:avLst/>
+                  </a:prstTxWarp>
+                </a:bodyPr>
+                <a:lstStyle/>
+                <a:p>
+                  <a:endParaRPr lang="en-US"/>
+                </a:p>
+              </p:txBody>
+            </p:sp>
+            <p:sp>
+              <p:nvSpPr>
+                <p:cNvPr id="7" name="Line 7">
+                  <a:extLst>
+                    <a:ext uri="{FF2B5EF4-FFF2-40B4-BE49-F238E27FC236}">
+                      <a16:creationId xmlns:a16="http://schemas.microsoft.com/office/drawing/2014/main" id="{8D3E34ED-3BE7-49D9-BD52-90349876CA14}"/>
+                    </a:ext>
+                  </a:extLst>
+                </p:cNvPr>
+                <p:cNvSpPr>
+                  <a:spLocks noChangeShapeType="1"/>
+                </p:cNvSpPr>
+                <p:nvPr/>
+              </p:nvSpPr>
+              <p:spPr bwMode="auto">
+                <a:xfrm>
+                  <a:off x="3446324" y="6073710"/>
+                  <a:ext cx="1098921" cy="0"/>
+                </a:xfrm>
+                <a:prstGeom prst="line">
+                  <a:avLst/>
+                </a:prstGeom>
+                <a:noFill/>
+                <a:ln w="12700" cap="flat">
+                  <a:solidFill>
+                    <a:schemeClr val="bg1">
+                      <a:lumMod val="50000"/>
+                    </a:schemeClr>
+                  </a:solidFill>
+                  <a:prstDash val="solid"/>
+                  <a:miter lim="800000"/>
+                  <a:headEnd/>
+                  <a:tailEnd/>
+                </a:ln>
+                <a:extLst>
+                  <a:ext uri="{909E8E84-426E-40DD-AFC4-6F175D3DCCD1}">
+                    <a14:hiddenFill xmlns:a14="http://schemas.microsoft.com/office/drawing/2010/main">
+                      <a:noFill/>
+                    </a14:hiddenFill>
+                  </a:ext>
+                </a:extLst>
+              </p:spPr>
+              <p:txBody>
+                <a:bodyPr vert="horz" wrap="square" lIns="91440" tIns="45720" rIns="91440" bIns="45720" numCol="1" anchor="t" anchorCtr="0" compatLnSpc="1">
+                  <a:prstTxWarp prst="textNoShape">
+                    <a:avLst/>
+                  </a:prstTxWarp>
+                </a:bodyPr>
+                <a:lstStyle/>
+                <a:p>
+                  <a:endParaRPr lang="en-US"/>
+                </a:p>
+              </p:txBody>
+            </p:sp>
+            <p:sp>
+              <p:nvSpPr>
+                <p:cNvPr id="8" name="Line 7">
+                  <a:extLst>
+                    <a:ext uri="{FF2B5EF4-FFF2-40B4-BE49-F238E27FC236}">
+                      <a16:creationId xmlns:a16="http://schemas.microsoft.com/office/drawing/2014/main" id="{9C111961-C451-40D8-BE33-B6D26235F528}"/>
+                    </a:ext>
+                  </a:extLst>
+                </p:cNvPr>
+                <p:cNvSpPr>
+                  <a:spLocks noChangeShapeType="1"/>
+                </p:cNvSpPr>
+                <p:nvPr/>
+              </p:nvSpPr>
+              <p:spPr bwMode="auto">
+                <a:xfrm>
+                  <a:off x="4658394" y="6073710"/>
+                  <a:ext cx="1098921" cy="0"/>
+                </a:xfrm>
+                <a:prstGeom prst="line">
+                  <a:avLst/>
+                </a:prstGeom>
+                <a:noFill/>
+                <a:ln w="12700" cap="flat">
+                  <a:solidFill>
+                    <a:schemeClr val="bg1">
+                      <a:lumMod val="50000"/>
+                    </a:schemeClr>
+                  </a:solidFill>
+                  <a:prstDash val="solid"/>
+                  <a:miter lim="800000"/>
+                  <a:headEnd/>
+                  <a:tailEnd/>
+                </a:ln>
+                <a:extLst>
+                  <a:ext uri="{909E8E84-426E-40DD-AFC4-6F175D3DCCD1}">
+                    <a14:hiddenFill xmlns:a14="http://schemas.microsoft.com/office/drawing/2010/main">
+                      <a:noFill/>
+                    </a14:hiddenFill>
+                  </a:ext>
+                </a:extLst>
+              </p:spPr>
+              <p:txBody>
+                <a:bodyPr vert="horz" wrap="square" lIns="91440" tIns="45720" rIns="91440" bIns="45720" numCol="1" anchor="t" anchorCtr="0" compatLnSpc="1">
+                  <a:prstTxWarp prst="textNoShape">
+                    <a:avLst/>
+                  </a:prstTxWarp>
+                </a:bodyPr>
+                <a:lstStyle/>
+                <a:p>
+                  <a:endParaRPr lang="en-US"/>
+                </a:p>
+              </p:txBody>
+            </p:sp>
+            <p:sp>
+              <p:nvSpPr>
+                <p:cNvPr id="9" name="Line 7">
+                  <a:extLst>
+                    <a:ext uri="{FF2B5EF4-FFF2-40B4-BE49-F238E27FC236}">
+                      <a16:creationId xmlns:a16="http://schemas.microsoft.com/office/drawing/2014/main" id="{D48EBD89-04A0-40B8-8463-B559E1B3957E}"/>
+                    </a:ext>
+                  </a:extLst>
+                </p:cNvPr>
+                <p:cNvSpPr>
+                  <a:spLocks noChangeShapeType="1"/>
+                </p:cNvSpPr>
+                <p:nvPr/>
+              </p:nvSpPr>
+              <p:spPr bwMode="auto">
+                <a:xfrm>
+                  <a:off x="5874296" y="6073710"/>
+                  <a:ext cx="1098921" cy="0"/>
+                </a:xfrm>
+                <a:prstGeom prst="line">
+                  <a:avLst/>
+                </a:prstGeom>
+                <a:noFill/>
+                <a:ln w="12700" cap="flat">
+                  <a:solidFill>
+                    <a:schemeClr val="tx1">
+                      <a:lumMod val="50000"/>
+                      <a:lumOff val="50000"/>
+                    </a:schemeClr>
+                  </a:solidFill>
+                  <a:prstDash val="solid"/>
+                  <a:miter lim="800000"/>
+                  <a:headEnd/>
+                  <a:tailEnd/>
+                </a:ln>
+                <a:extLst>
+                  <a:ext uri="{909E8E84-426E-40DD-AFC4-6F175D3DCCD1}">
+                    <a14:hiddenFill xmlns:a14="http://schemas.microsoft.com/office/drawing/2010/main">
+                      <a:noFill/>
+                    </a14:hiddenFill>
+                  </a:ext>
+                </a:extLst>
+              </p:spPr>
+              <p:txBody>
+                <a:bodyPr vert="horz" wrap="square" lIns="91440" tIns="45720" rIns="91440" bIns="45720" numCol="1" anchor="t" anchorCtr="0" compatLnSpc="1">
+                  <a:prstTxWarp prst="textNoShape">
+                    <a:avLst/>
+                  </a:prstTxWarp>
+                </a:bodyPr>
+                <a:lstStyle/>
+                <a:p>
+                  <a:endParaRPr lang="en-US"/>
+                </a:p>
+              </p:txBody>
+            </p:sp>
+            <p:sp>
+              <p:nvSpPr>
+                <p:cNvPr id="10" name="Oval 9">
+                  <a:extLst>
+                    <a:ext uri="{FF2B5EF4-FFF2-40B4-BE49-F238E27FC236}">
+                      <a16:creationId xmlns:a16="http://schemas.microsoft.com/office/drawing/2014/main" id="{1B45FA05-5BF7-4049-985A-89EDD41083B1}"/>
+                    </a:ext>
+                  </a:extLst>
+                </p:cNvPr>
+                <p:cNvSpPr/>
+                <p:nvPr/>
+              </p:nvSpPr>
+              <p:spPr>
+                <a:xfrm>
+                  <a:off x="2138264" y="6023892"/>
+                  <a:ext cx="99636" cy="99636"/>
+                </a:xfrm>
+                <a:prstGeom prst="ellipse">
+                  <a:avLst/>
+                </a:prstGeom>
+                <a:solidFill>
+                  <a:srgbClr val="BDCD49"/>
+                </a:solidFill>
+                <a:ln>
+                  <a:noFill/>
+                </a:ln>
+              </p:spPr>
+              <p:style>
+                <a:lnRef idx="2">
+                  <a:schemeClr val="accent1">
+                    <a:shade val="50000"/>
+                  </a:schemeClr>
+                </a:lnRef>
+                <a:fillRef idx="1">
+                  <a:schemeClr val="accent1"/>
+                </a:fillRef>
+                <a:effectRef idx="0">
+                  <a:schemeClr val="accent1"/>
+                </a:effectRef>
+                <a:fontRef idx="minor">
+                  <a:schemeClr val="lt1"/>
+                </a:fontRef>
+              </p:style>
+              <p:txBody>
+                <a:bodyPr rtlCol="0" anchor="ctr"/>
+                <a:lstStyle/>
+                <a:p>
+                  <a:pPr algn="ctr"/>
+                  <a:endParaRPr lang="en-US"/>
+                </a:p>
+              </p:txBody>
+            </p:sp>
+            <p:sp>
+              <p:nvSpPr>
+                <p:cNvPr id="11" name="Oval 10">
+                  <a:extLst>
+                    <a:ext uri="{FF2B5EF4-FFF2-40B4-BE49-F238E27FC236}">
+                      <a16:creationId xmlns:a16="http://schemas.microsoft.com/office/drawing/2014/main" id="{39BC7842-4A58-41C0-8F1C-411A6660D604}"/>
+                    </a:ext>
+                  </a:extLst>
+                </p:cNvPr>
+                <p:cNvSpPr/>
+                <p:nvPr/>
+              </p:nvSpPr>
+              <p:spPr>
+                <a:xfrm>
+                  <a:off x="3311957" y="6023892"/>
+                  <a:ext cx="99636" cy="99636"/>
+                </a:xfrm>
+                <a:prstGeom prst="ellipse">
+                  <a:avLst/>
+                </a:prstGeom>
+                <a:solidFill>
+                  <a:srgbClr val="BDCD49"/>
+                </a:solidFill>
+                <a:ln>
+                  <a:noFill/>
+                </a:ln>
+              </p:spPr>
+              <p:style>
+                <a:lnRef idx="2">
+                  <a:schemeClr val="accent1">
+                    <a:shade val="50000"/>
+                  </a:schemeClr>
+                </a:lnRef>
+                <a:fillRef idx="1">
+                  <a:schemeClr val="accent1"/>
+                </a:fillRef>
+                <a:effectRef idx="0">
+                  <a:schemeClr val="accent1"/>
+                </a:effectRef>
+                <a:fontRef idx="minor">
+                  <a:schemeClr val="lt1"/>
+                </a:fontRef>
+              </p:style>
+              <p:txBody>
+                <a:bodyPr rtlCol="0" anchor="ctr"/>
+                <a:lstStyle/>
+                <a:p>
+                  <a:pPr algn="ctr"/>
+                  <a:endParaRPr lang="en-US"/>
+                </a:p>
+              </p:txBody>
+            </p:sp>
+            <p:sp>
+              <p:nvSpPr>
+                <p:cNvPr id="12" name="Arc 11">
+                  <a:extLst>
+                    <a:ext uri="{FF2B5EF4-FFF2-40B4-BE49-F238E27FC236}">
+                      <a16:creationId xmlns:a16="http://schemas.microsoft.com/office/drawing/2014/main" id="{CDA44674-6845-4FA8-8B5C-92E59CAF8D79}"/>
+                    </a:ext>
+                  </a:extLst>
+                </p:cNvPr>
+                <p:cNvSpPr/>
+                <p:nvPr/>
+              </p:nvSpPr>
+              <p:spPr>
+                <a:xfrm>
+                  <a:off x="3273519" y="5985454"/>
+                  <a:ext cx="176513" cy="176513"/>
+                </a:xfrm>
+                <a:prstGeom prst="arc">
+                  <a:avLst>
+                    <a:gd name="adj1" fmla="val 13550007"/>
+                    <a:gd name="adj2" fmla="val 8407218"/>
+                  </a:avLst>
+                </a:prstGeom>
+                <a:noFill/>
+                <a:ln w="12700">
+                  <a:solidFill>
+                    <a:schemeClr val="bg1">
+                      <a:lumMod val="50000"/>
+                    </a:schemeClr>
+                  </a:solidFill>
+                </a:ln>
+              </p:spPr>
+              <p:style>
+                <a:lnRef idx="2">
+                  <a:schemeClr val="accent1">
+                    <a:shade val="50000"/>
+                  </a:schemeClr>
+                </a:lnRef>
+                <a:fillRef idx="1">
+                  <a:schemeClr val="accent1"/>
+                </a:fillRef>
+                <a:effectRef idx="0">
+                  <a:schemeClr val="accent1"/>
+                </a:effectRef>
+                <a:fontRef idx="minor">
+                  <a:schemeClr val="lt1"/>
+                </a:fontRef>
+              </p:style>
+              <p:txBody>
+                <a:bodyPr rtlCol="0" anchor="ctr"/>
+                <a:lstStyle/>
+                <a:p>
+                  <a:pPr algn="ctr"/>
+                  <a:endParaRPr lang="en-US"/>
+                </a:p>
+              </p:txBody>
+            </p:sp>
+            <p:sp>
+              <p:nvSpPr>
+                <p:cNvPr id="13" name="Oval 12">
+                  <a:extLst>
+                    <a:ext uri="{FF2B5EF4-FFF2-40B4-BE49-F238E27FC236}">
+                      <a16:creationId xmlns:a16="http://schemas.microsoft.com/office/drawing/2014/main" id="{87554D38-CFAB-47BB-823F-DB6C0FC6790C}"/>
+                    </a:ext>
+                  </a:extLst>
+                </p:cNvPr>
+                <p:cNvSpPr/>
+                <p:nvPr/>
+              </p:nvSpPr>
+              <p:spPr>
+                <a:xfrm>
+                  <a:off x="4524089" y="6023892"/>
+                  <a:ext cx="99636" cy="99636"/>
+                </a:xfrm>
+                <a:prstGeom prst="ellipse">
+                  <a:avLst/>
+                </a:prstGeom>
+                <a:solidFill>
+                  <a:srgbClr val="BDCD49"/>
+                </a:solidFill>
+                <a:ln>
+                  <a:noFill/>
+                </a:ln>
+              </p:spPr>
+              <p:style>
+                <a:lnRef idx="2">
+                  <a:schemeClr val="accent1">
+                    <a:shade val="50000"/>
+                  </a:schemeClr>
+                </a:lnRef>
+                <a:fillRef idx="1">
+                  <a:schemeClr val="accent1"/>
+                </a:fillRef>
+                <a:effectRef idx="0">
+                  <a:schemeClr val="accent1"/>
+                </a:effectRef>
+                <a:fontRef idx="minor">
+                  <a:schemeClr val="lt1"/>
+                </a:fontRef>
+              </p:style>
+              <p:txBody>
+                <a:bodyPr rtlCol="0" anchor="ctr"/>
+                <a:lstStyle/>
+                <a:p>
+                  <a:pPr algn="ctr"/>
+                  <a:endParaRPr lang="en-US"/>
+                </a:p>
+              </p:txBody>
+            </p:sp>
+            <p:sp>
+              <p:nvSpPr>
+                <p:cNvPr id="14" name="Arc 13">
+                  <a:extLst>
+                    <a:ext uri="{FF2B5EF4-FFF2-40B4-BE49-F238E27FC236}">
+                      <a16:creationId xmlns:a16="http://schemas.microsoft.com/office/drawing/2014/main" id="{AF04ECFF-2C62-4337-AD71-F03CEB044D02}"/>
+                    </a:ext>
+                  </a:extLst>
+                </p:cNvPr>
+                <p:cNvSpPr/>
+                <p:nvPr/>
+              </p:nvSpPr>
+              <p:spPr>
+                <a:xfrm>
+                  <a:off x="4485651" y="5985454"/>
+                  <a:ext cx="176513" cy="176513"/>
+                </a:xfrm>
+                <a:prstGeom prst="arc">
+                  <a:avLst>
+                    <a:gd name="adj1" fmla="val 13550007"/>
+                    <a:gd name="adj2" fmla="val 8407218"/>
+                  </a:avLst>
+                </a:prstGeom>
+                <a:noFill/>
+                <a:ln w="12700">
+                  <a:solidFill>
+                    <a:schemeClr val="bg1">
+                      <a:lumMod val="50000"/>
+                    </a:schemeClr>
+                  </a:solidFill>
+                </a:ln>
+              </p:spPr>
+              <p:style>
+                <a:lnRef idx="2">
+                  <a:schemeClr val="accent1">
+                    <a:shade val="50000"/>
+                  </a:schemeClr>
+                </a:lnRef>
+                <a:fillRef idx="1">
+                  <a:schemeClr val="accent1"/>
+                </a:fillRef>
+                <a:effectRef idx="0">
+                  <a:schemeClr val="accent1"/>
+                </a:effectRef>
+                <a:fontRef idx="minor">
+                  <a:schemeClr val="lt1"/>
+                </a:fontRef>
+              </p:style>
+              <p:txBody>
+                <a:bodyPr rtlCol="0" anchor="ctr"/>
+                <a:lstStyle/>
+                <a:p>
+                  <a:pPr algn="ctr"/>
+                  <a:endParaRPr lang="en-US"/>
+                </a:p>
+              </p:txBody>
+            </p:sp>
+            <p:sp>
+              <p:nvSpPr>
+                <p:cNvPr id="15" name="Oval 14">
+                  <a:extLst>
+                    <a:ext uri="{FF2B5EF4-FFF2-40B4-BE49-F238E27FC236}">
+                      <a16:creationId xmlns:a16="http://schemas.microsoft.com/office/drawing/2014/main" id="{BAB44DE7-EA02-46D6-8363-38A715C2E772}"/>
+                    </a:ext>
+                  </a:extLst>
+                </p:cNvPr>
+                <p:cNvSpPr/>
+                <p:nvPr/>
+              </p:nvSpPr>
+              <p:spPr>
+                <a:xfrm>
+                  <a:off x="5736221" y="6023892"/>
+                  <a:ext cx="99636" cy="99636"/>
+                </a:xfrm>
+                <a:prstGeom prst="ellipse">
+                  <a:avLst/>
+                </a:prstGeom>
+                <a:solidFill>
+                  <a:srgbClr val="BDCD49"/>
+                </a:solidFill>
+                <a:ln>
+                  <a:noFill/>
+                </a:ln>
+              </p:spPr>
+              <p:style>
+                <a:lnRef idx="2">
+                  <a:schemeClr val="accent1">
+                    <a:shade val="50000"/>
+                  </a:schemeClr>
+                </a:lnRef>
+                <a:fillRef idx="1">
+                  <a:schemeClr val="accent1"/>
+                </a:fillRef>
+                <a:effectRef idx="0">
+                  <a:schemeClr val="accent1"/>
+                </a:effectRef>
+                <a:fontRef idx="minor">
+                  <a:schemeClr val="lt1"/>
+                </a:fontRef>
+              </p:style>
+              <p:txBody>
+                <a:bodyPr rtlCol="0" anchor="ctr"/>
+                <a:lstStyle/>
+                <a:p>
+                  <a:pPr algn="ctr"/>
+                  <a:endParaRPr lang="en-US"/>
+                </a:p>
+              </p:txBody>
+            </p:sp>
+            <p:sp>
+              <p:nvSpPr>
+                <p:cNvPr id="16" name="Arc 15">
+                  <a:extLst>
+                    <a:ext uri="{FF2B5EF4-FFF2-40B4-BE49-F238E27FC236}">
+                      <a16:creationId xmlns:a16="http://schemas.microsoft.com/office/drawing/2014/main" id="{193723C6-46A9-409B-BF4B-C2891D5A900F}"/>
+                    </a:ext>
+                  </a:extLst>
+                </p:cNvPr>
+                <p:cNvSpPr/>
+                <p:nvPr/>
+              </p:nvSpPr>
+              <p:spPr>
+                <a:xfrm>
+                  <a:off x="5697783" y="5985454"/>
+                  <a:ext cx="176513" cy="176513"/>
+                </a:xfrm>
+                <a:prstGeom prst="arc">
+                  <a:avLst>
+                    <a:gd name="adj1" fmla="val 13550007"/>
+                    <a:gd name="adj2" fmla="val 8407218"/>
+                  </a:avLst>
+                </a:prstGeom>
+                <a:noFill/>
+                <a:ln w="12700">
+                  <a:solidFill>
+                    <a:schemeClr val="bg1">
+                      <a:lumMod val="50000"/>
+                    </a:schemeClr>
+                  </a:solidFill>
+                </a:ln>
+              </p:spPr>
+              <p:style>
+                <a:lnRef idx="2">
+                  <a:schemeClr val="accent1">
+                    <a:shade val="50000"/>
+                  </a:schemeClr>
+                </a:lnRef>
+                <a:fillRef idx="1">
+                  <a:schemeClr val="accent1"/>
+                </a:fillRef>
+                <a:effectRef idx="0">
+                  <a:schemeClr val="accent1"/>
+                </a:effectRef>
+                <a:fontRef idx="minor">
+                  <a:schemeClr val="lt1"/>
+                </a:fontRef>
+              </p:style>
+              <p:txBody>
+                <a:bodyPr rtlCol="0" anchor="ctr"/>
+                <a:lstStyle/>
+                <a:p>
+                  <a:pPr algn="ctr"/>
+                  <a:endParaRPr lang="en-US"/>
+                </a:p>
+              </p:txBody>
+            </p:sp>
+            <p:sp>
+              <p:nvSpPr>
+                <p:cNvPr id="17" name="Oval 16">
+                  <a:extLst>
+                    <a:ext uri="{FF2B5EF4-FFF2-40B4-BE49-F238E27FC236}">
+                      <a16:creationId xmlns:a16="http://schemas.microsoft.com/office/drawing/2014/main" id="{20A85149-44E6-47DD-9037-AE16A681B349}"/>
+                    </a:ext>
+                  </a:extLst>
+                </p:cNvPr>
+                <p:cNvSpPr/>
+                <p:nvPr/>
+              </p:nvSpPr>
+              <p:spPr>
+                <a:xfrm>
+                  <a:off x="6909915" y="6023892"/>
+                  <a:ext cx="99636" cy="99636"/>
+                </a:xfrm>
+                <a:prstGeom prst="ellipse">
+                  <a:avLst/>
+                </a:prstGeom>
+                <a:solidFill>
+                  <a:srgbClr val="BDCD49"/>
+                </a:solidFill>
+                <a:ln>
+                  <a:noFill/>
+                </a:ln>
+              </p:spPr>
+              <p:style>
+                <a:lnRef idx="2">
+                  <a:schemeClr val="accent1">
+                    <a:shade val="50000"/>
+                  </a:schemeClr>
+                </a:lnRef>
+                <a:fillRef idx="1">
+                  <a:schemeClr val="accent1"/>
+                </a:fillRef>
+                <a:effectRef idx="0">
+                  <a:schemeClr val="accent1"/>
+                </a:effectRef>
+                <a:fontRef idx="minor">
+                  <a:schemeClr val="lt1"/>
+                </a:fontRef>
+              </p:style>
+              <p:txBody>
+                <a:bodyPr rtlCol="0" anchor="ctr"/>
+                <a:lstStyle/>
+                <a:p>
+                  <a:pPr algn="ctr"/>
+                  <a:endParaRPr lang="en-US"/>
+                </a:p>
+              </p:txBody>
+            </p:sp>
+          </p:grpSp>
+          <p:sp>
+            <p:nvSpPr>
+              <p:cNvPr id="22" name="TextBox 21">
+                <a:extLst>
+                  <a:ext uri="{FF2B5EF4-FFF2-40B4-BE49-F238E27FC236}">
+                    <a16:creationId xmlns:a16="http://schemas.microsoft.com/office/drawing/2014/main" id="{541B7669-EFF2-4980-B4AE-CF0F98FF0D3F}"/>
+                  </a:ext>
+                </a:extLst>
+              </p:cNvPr>
+              <p:cNvSpPr txBox="1"/>
+              <p:nvPr/>
+            </p:nvSpPr>
+            <p:spPr>
+              <a:xfrm rot="5400000">
+                <a:off x="817932" y="3647312"/>
+                <a:ext cx="1475268" cy="184666"/>
+              </a:xfrm>
+              <a:prstGeom prst="rect">
+                <a:avLst/>
+              </a:prstGeom>
+              <a:noFill/>
+              <a:ln w="6350">
+                <a:noFill/>
+                <a:prstDash val="dash"/>
+              </a:ln>
+            </p:spPr>
+            <p:txBody>
+              <a:bodyPr wrap="square" lIns="0" tIns="0" rIns="0" bIns="0" rtlCol="0">
+                <a:spAutoFit/>
+              </a:bodyPr>
+              <a:lstStyle/>
+              <a:p>
+                <a:r>
+                  <a:rPr lang="en-US" sz="1200" b="1" dirty="0">
+                    <a:latin typeface="Raleway" panose="020B0503030101060003" pitchFamily="34" charset="0"/>
+                  </a:rPr>
+                  <a:t>B.E Comp Science</a:t>
+                </a:r>
+              </a:p>
+            </p:txBody>
+          </p:sp>
+          <p:sp>
+            <p:nvSpPr>
+              <p:cNvPr id="23" name="TextBox 22">
+                <a:extLst>
+                  <a:ext uri="{FF2B5EF4-FFF2-40B4-BE49-F238E27FC236}">
+                    <a16:creationId xmlns:a16="http://schemas.microsoft.com/office/drawing/2014/main" id="{FC80B0D1-951D-4273-BB37-0AD01BF7FAB2}"/>
+                  </a:ext>
+                </a:extLst>
+              </p:cNvPr>
+              <p:cNvSpPr txBox="1"/>
+              <p:nvPr/>
+            </p:nvSpPr>
+            <p:spPr>
+              <a:xfrm rot="5400000">
+                <a:off x="675357" y="3425258"/>
+                <a:ext cx="1298753" cy="276999"/>
+              </a:xfrm>
+              <a:prstGeom prst="rect">
+                <a:avLst/>
+              </a:prstGeom>
+              <a:noFill/>
+            </p:spPr>
+            <p:txBody>
+              <a:bodyPr wrap="none" rtlCol="0">
+                <a:spAutoFit/>
+              </a:bodyPr>
+              <a:lstStyle/>
+              <a:p>
+                <a:r>
+                  <a:rPr lang="en-US" sz="1200" dirty="0">
+                    <a:latin typeface="Raleway" panose="020B0503030101060003" pitchFamily="34" charset="0"/>
+                  </a:rPr>
+                  <a:t>Pune University</a:t>
+                </a:r>
+              </a:p>
+            </p:txBody>
+          </p:sp>
+          <p:sp>
+            <p:nvSpPr>
+              <p:cNvPr id="18" name="TextBox 17">
+                <a:extLst>
+                  <a:ext uri="{FF2B5EF4-FFF2-40B4-BE49-F238E27FC236}">
+                    <a16:creationId xmlns:a16="http://schemas.microsoft.com/office/drawing/2014/main" id="{371B1AF3-E15B-4DF9-B46F-BBEAB6BA1454}"/>
+                  </a:ext>
+                </a:extLst>
+              </p:cNvPr>
+              <p:cNvSpPr txBox="1"/>
+              <p:nvPr/>
+            </p:nvSpPr>
+            <p:spPr>
+              <a:xfrm rot="5400000">
+                <a:off x="3075753" y="3647312"/>
+                <a:ext cx="1475268" cy="184666"/>
+              </a:xfrm>
+              <a:prstGeom prst="rect">
+                <a:avLst/>
+              </a:prstGeom>
+              <a:noFill/>
+              <a:ln w="6350">
+                <a:noFill/>
+                <a:prstDash val="dash"/>
+              </a:ln>
+            </p:spPr>
+            <p:txBody>
+              <a:bodyPr wrap="square" lIns="0" tIns="0" rIns="0" bIns="0" rtlCol="0">
+                <a:spAutoFit/>
+              </a:bodyPr>
+              <a:lstStyle/>
+              <a:p>
+                <a:r>
+                  <a:rPr lang="en-US" sz="1200" b="1" dirty="0">
+                    <a:latin typeface="Raleway" panose="020B0503030101060003" pitchFamily="34" charset="0"/>
+                  </a:rPr>
+                  <a:t>Data Scientist</a:t>
+                </a:r>
+              </a:p>
+            </p:txBody>
+          </p:sp>
+          <p:sp>
+            <p:nvSpPr>
+              <p:cNvPr id="24" name="TextBox 23">
+                <a:extLst>
+                  <a:ext uri="{FF2B5EF4-FFF2-40B4-BE49-F238E27FC236}">
+                    <a16:creationId xmlns:a16="http://schemas.microsoft.com/office/drawing/2014/main" id="{DF0067A9-B14F-4BA5-9BD5-60655E3D3364}"/>
+                  </a:ext>
+                </a:extLst>
+              </p:cNvPr>
+              <p:cNvSpPr txBox="1"/>
+              <p:nvPr/>
+            </p:nvSpPr>
+            <p:spPr>
+              <a:xfrm rot="5400000">
+                <a:off x="3121531" y="3236905"/>
+                <a:ext cx="922047" cy="276999"/>
+              </a:xfrm>
+              <a:prstGeom prst="rect">
+                <a:avLst/>
+              </a:prstGeom>
+              <a:noFill/>
+            </p:spPr>
+            <p:txBody>
+              <a:bodyPr wrap="none" rtlCol="0">
+                <a:spAutoFit/>
+              </a:bodyPr>
+              <a:lstStyle/>
+              <a:p>
+                <a:r>
+                  <a:rPr lang="en-US" sz="1200" dirty="0">
+                    <a:latin typeface="Raleway" panose="020B0503030101060003" pitchFamily="34" charset="0"/>
+                  </a:rPr>
+                  <a:t>Mu-Sigma</a:t>
+                </a:r>
+              </a:p>
+            </p:txBody>
+          </p:sp>
+          <p:sp>
+            <p:nvSpPr>
+              <p:cNvPr id="19" name="TextBox 18">
+                <a:extLst>
+                  <a:ext uri="{FF2B5EF4-FFF2-40B4-BE49-F238E27FC236}">
+                    <a16:creationId xmlns:a16="http://schemas.microsoft.com/office/drawing/2014/main" id="{96662840-EC3D-4B4B-9807-7F8B88647847}"/>
+                  </a:ext>
+                </a:extLst>
+              </p:cNvPr>
+              <p:cNvSpPr txBox="1"/>
+              <p:nvPr/>
+            </p:nvSpPr>
+            <p:spPr>
+              <a:xfrm rot="5400000">
+                <a:off x="5360076" y="3647312"/>
+                <a:ext cx="1475268" cy="184666"/>
+              </a:xfrm>
+              <a:prstGeom prst="rect">
+                <a:avLst/>
+              </a:prstGeom>
+              <a:noFill/>
+              <a:ln w="6350">
+                <a:noFill/>
+                <a:prstDash val="dash"/>
+              </a:ln>
+            </p:spPr>
+            <p:txBody>
+              <a:bodyPr wrap="square" lIns="0" tIns="0" rIns="0" bIns="0" rtlCol="0">
+                <a:spAutoFit/>
+              </a:bodyPr>
+              <a:lstStyle/>
+              <a:p>
+                <a:r>
+                  <a:rPr lang="en-US" sz="1200" b="1" dirty="0">
+                    <a:latin typeface="Raleway" panose="020B0503030101060003" pitchFamily="34" charset="0"/>
+                  </a:rPr>
+                  <a:t>Sr. Data Scientist</a:t>
+                </a:r>
+              </a:p>
+            </p:txBody>
+          </p:sp>
+          <p:sp>
+            <p:nvSpPr>
+              <p:cNvPr id="25" name="TextBox 24">
+                <a:extLst>
+                  <a:ext uri="{FF2B5EF4-FFF2-40B4-BE49-F238E27FC236}">
+                    <a16:creationId xmlns:a16="http://schemas.microsoft.com/office/drawing/2014/main" id="{7E62C09F-562B-4F16-B9EB-724BFA5EB85C}"/>
+                  </a:ext>
+                </a:extLst>
+              </p:cNvPr>
+              <p:cNvSpPr txBox="1"/>
+              <p:nvPr/>
+            </p:nvSpPr>
+            <p:spPr>
+              <a:xfrm rot="5400000">
+                <a:off x="5405854" y="3236905"/>
+                <a:ext cx="922047" cy="276999"/>
+              </a:xfrm>
+              <a:prstGeom prst="rect">
+                <a:avLst/>
+              </a:prstGeom>
+              <a:noFill/>
+            </p:spPr>
+            <p:txBody>
+              <a:bodyPr wrap="none" rtlCol="0">
+                <a:spAutoFit/>
+              </a:bodyPr>
+              <a:lstStyle/>
+              <a:p>
+                <a:r>
+                  <a:rPr lang="en-US" sz="1200" dirty="0">
+                    <a:latin typeface="Raleway" panose="020B0503030101060003" pitchFamily="34" charset="0"/>
+                  </a:rPr>
+                  <a:t>Mu-Sigma</a:t>
+                </a:r>
+              </a:p>
+            </p:txBody>
+          </p:sp>
+          <p:sp>
+            <p:nvSpPr>
+              <p:cNvPr id="20" name="TextBox 19">
+                <a:extLst>
+                  <a:ext uri="{FF2B5EF4-FFF2-40B4-BE49-F238E27FC236}">
+                    <a16:creationId xmlns:a16="http://schemas.microsoft.com/office/drawing/2014/main" id="{1CEACDE8-903C-4791-BE47-DF583A65F9F6}"/>
+                  </a:ext>
+                </a:extLst>
+              </p:cNvPr>
+              <p:cNvSpPr txBox="1"/>
+              <p:nvPr/>
+            </p:nvSpPr>
+            <p:spPr>
+              <a:xfrm rot="5400000">
+                <a:off x="7665676" y="3647312"/>
+                <a:ext cx="1475268" cy="184666"/>
+              </a:xfrm>
+              <a:prstGeom prst="rect">
+                <a:avLst/>
+              </a:prstGeom>
+              <a:noFill/>
+              <a:ln w="6350">
+                <a:noFill/>
+                <a:prstDash val="dash"/>
+              </a:ln>
+            </p:spPr>
+            <p:txBody>
+              <a:bodyPr wrap="square" lIns="0" tIns="0" rIns="0" bIns="0" rtlCol="0">
+                <a:spAutoFit/>
+              </a:bodyPr>
+              <a:lstStyle/>
+              <a:p>
+                <a:r>
+                  <a:rPr lang="en-US" sz="1200" b="1" dirty="0">
+                    <a:latin typeface="Raleway" panose="020B0503030101060003" pitchFamily="34" charset="0"/>
+                  </a:rPr>
+                  <a:t>Lead Data Scientist</a:t>
+                </a:r>
+              </a:p>
+            </p:txBody>
+          </p:sp>
+          <p:sp>
+            <p:nvSpPr>
+              <p:cNvPr id="26" name="TextBox 25">
+                <a:extLst>
+                  <a:ext uri="{FF2B5EF4-FFF2-40B4-BE49-F238E27FC236}">
+                    <a16:creationId xmlns:a16="http://schemas.microsoft.com/office/drawing/2014/main" id="{DA97EA48-6DAA-4685-B048-313FDBA51F0D}"/>
+                  </a:ext>
+                </a:extLst>
+              </p:cNvPr>
+              <p:cNvSpPr txBox="1"/>
+              <p:nvPr/>
+            </p:nvSpPr>
+            <p:spPr>
+              <a:xfrm rot="5400000">
+                <a:off x="7784391" y="3163969"/>
+                <a:ext cx="776175" cy="276999"/>
+              </a:xfrm>
+              <a:prstGeom prst="rect">
+                <a:avLst/>
+              </a:prstGeom>
+              <a:noFill/>
+            </p:spPr>
+            <p:txBody>
+              <a:bodyPr wrap="none" rtlCol="0">
+                <a:spAutoFit/>
+              </a:bodyPr>
+              <a:lstStyle/>
+              <a:p>
+                <a:r>
+                  <a:rPr lang="en-US" sz="1200" dirty="0" err="1">
+                    <a:latin typeface="Raleway" panose="020B0503030101060003" pitchFamily="34" charset="0"/>
+                  </a:rPr>
+                  <a:t>iPredictt</a:t>
+                </a:r>
+                <a:endParaRPr lang="en-US" sz="1200" dirty="0">
+                  <a:latin typeface="Raleway" panose="020B0503030101060003" pitchFamily="34" charset="0"/>
+                </a:endParaRPr>
+              </a:p>
+            </p:txBody>
+          </p:sp>
+          <p:sp>
+            <p:nvSpPr>
+              <p:cNvPr id="21" name="TextBox 20">
+                <a:extLst>
+                  <a:ext uri="{FF2B5EF4-FFF2-40B4-BE49-F238E27FC236}">
+                    <a16:creationId xmlns:a16="http://schemas.microsoft.com/office/drawing/2014/main" id="{68A1FF90-EB9B-46B1-AEB3-4FE91F314125}"/>
+                  </a:ext>
+                </a:extLst>
+              </p:cNvPr>
+              <p:cNvSpPr txBox="1"/>
+              <p:nvPr/>
+            </p:nvSpPr>
+            <p:spPr>
+              <a:xfrm rot="5400000">
+                <a:off x="9959171" y="3596460"/>
+                <a:ext cx="1373562" cy="184666"/>
+              </a:xfrm>
+              <a:prstGeom prst="rect">
+                <a:avLst/>
+              </a:prstGeom>
+              <a:noFill/>
+              <a:ln w="6350">
+                <a:noFill/>
+                <a:prstDash val="dash"/>
+              </a:ln>
+            </p:spPr>
+            <p:txBody>
+              <a:bodyPr wrap="square" lIns="0" tIns="0" rIns="0" bIns="0" rtlCol="0">
+                <a:spAutoFit/>
+              </a:bodyPr>
+              <a:lstStyle/>
+              <a:p>
+                <a:r>
+                  <a:rPr lang="en-US" sz="1200" b="1" dirty="0">
+                    <a:latin typeface="Raleway" panose="020B0503030101060003" pitchFamily="34" charset="0"/>
+                  </a:rPr>
+                  <a:t>Head DS Products</a:t>
+                </a:r>
+              </a:p>
+            </p:txBody>
+          </p:sp>
+          <p:sp>
+            <p:nvSpPr>
+              <p:cNvPr id="27" name="TextBox 26">
+                <a:extLst>
+                  <a:ext uri="{FF2B5EF4-FFF2-40B4-BE49-F238E27FC236}">
+                    <a16:creationId xmlns:a16="http://schemas.microsoft.com/office/drawing/2014/main" id="{0D101AB2-D276-46B4-B73D-F5353E2ACD50}"/>
+                  </a:ext>
+                </a:extLst>
+              </p:cNvPr>
+              <p:cNvSpPr txBox="1"/>
+              <p:nvPr/>
+            </p:nvSpPr>
+            <p:spPr>
+              <a:xfrm rot="5400000">
+                <a:off x="10016878" y="3163969"/>
+                <a:ext cx="776175" cy="276999"/>
+              </a:xfrm>
+              <a:prstGeom prst="rect">
+                <a:avLst/>
+              </a:prstGeom>
+              <a:noFill/>
+            </p:spPr>
+            <p:txBody>
+              <a:bodyPr wrap="none" rtlCol="0">
+                <a:spAutoFit/>
+              </a:bodyPr>
+              <a:lstStyle/>
+              <a:p>
+                <a:r>
+                  <a:rPr lang="en-US" sz="1200" dirty="0" err="1">
+                    <a:latin typeface="Raleway" panose="020B0503030101060003" pitchFamily="34" charset="0"/>
+                  </a:rPr>
+                  <a:t>iPredictt</a:t>
+                </a:r>
+                <a:endParaRPr lang="en-US" sz="1200" dirty="0">
+                  <a:latin typeface="Raleway" panose="020B0503030101060003" pitchFamily="34" charset="0"/>
+                </a:endParaRPr>
+              </a:p>
+            </p:txBody>
+          </p:sp>
+          <p:sp>
+            <p:nvSpPr>
+              <p:cNvPr id="28" name="TextBox 27">
+                <a:extLst>
+                  <a:ext uri="{FF2B5EF4-FFF2-40B4-BE49-F238E27FC236}">
+                    <a16:creationId xmlns:a16="http://schemas.microsoft.com/office/drawing/2014/main" id="{C794F0C6-015B-48BD-8AD4-B9CFEFB1935A}"/>
+                  </a:ext>
+                </a:extLst>
+              </p:cNvPr>
+              <p:cNvSpPr txBox="1"/>
+              <p:nvPr/>
+            </p:nvSpPr>
+            <p:spPr>
+              <a:xfrm rot="5400000">
+                <a:off x="866273" y="1714728"/>
+                <a:ext cx="1101584" cy="646331"/>
+              </a:xfrm>
+              <a:prstGeom prst="rect">
+                <a:avLst/>
+              </a:prstGeom>
+              <a:noFill/>
+            </p:spPr>
+            <p:txBody>
+              <a:bodyPr wrap="none" rtlCol="0">
+                <a:spAutoFit/>
+              </a:bodyPr>
+              <a:lstStyle/>
+              <a:p>
+                <a:r>
+                  <a:rPr lang="en-US" sz="3600" b="1" dirty="0"/>
+                  <a:t>2008</a:t>
+                </a:r>
+              </a:p>
+            </p:txBody>
+          </p:sp>
+          <p:sp>
+            <p:nvSpPr>
+              <p:cNvPr id="29" name="TextBox 28">
+                <a:extLst>
+                  <a:ext uri="{FF2B5EF4-FFF2-40B4-BE49-F238E27FC236}">
+                    <a16:creationId xmlns:a16="http://schemas.microsoft.com/office/drawing/2014/main" id="{B04B1F92-C191-466F-ACAE-3076226A0146}"/>
+                  </a:ext>
+                </a:extLst>
+              </p:cNvPr>
+              <p:cNvSpPr txBox="1"/>
+              <p:nvPr/>
+            </p:nvSpPr>
+            <p:spPr>
+              <a:xfrm rot="5400000">
+                <a:off x="3102818" y="1714728"/>
+                <a:ext cx="1101584" cy="646331"/>
+              </a:xfrm>
+              <a:prstGeom prst="rect">
+                <a:avLst/>
+              </a:prstGeom>
+              <a:noFill/>
+            </p:spPr>
+            <p:txBody>
+              <a:bodyPr wrap="none" rtlCol="0">
+                <a:spAutoFit/>
+              </a:bodyPr>
+              <a:lstStyle/>
+              <a:p>
+                <a:r>
+                  <a:rPr lang="en-US" sz="3600" b="1" dirty="0"/>
+                  <a:t>2012</a:t>
+                </a:r>
+              </a:p>
+            </p:txBody>
+          </p:sp>
+          <p:sp>
+            <p:nvSpPr>
+              <p:cNvPr id="30" name="TextBox 29">
+                <a:extLst>
+                  <a:ext uri="{FF2B5EF4-FFF2-40B4-BE49-F238E27FC236}">
+                    <a16:creationId xmlns:a16="http://schemas.microsoft.com/office/drawing/2014/main" id="{CB75F151-7160-410D-8AFC-C555EA803B0E}"/>
+                  </a:ext>
+                </a:extLst>
+              </p:cNvPr>
+              <p:cNvSpPr txBox="1"/>
+              <p:nvPr/>
+            </p:nvSpPr>
+            <p:spPr>
+              <a:xfrm rot="5400000">
+                <a:off x="5408417" y="1714728"/>
+                <a:ext cx="1101584" cy="646331"/>
+              </a:xfrm>
+              <a:prstGeom prst="rect">
+                <a:avLst/>
+              </a:prstGeom>
+              <a:noFill/>
+            </p:spPr>
+            <p:txBody>
+              <a:bodyPr wrap="none" rtlCol="0">
+                <a:spAutoFit/>
+              </a:bodyPr>
+              <a:lstStyle/>
+              <a:p>
+                <a:r>
+                  <a:rPr lang="en-US" sz="3600" b="1" dirty="0"/>
+                  <a:t>2014</a:t>
+                </a:r>
+              </a:p>
+            </p:txBody>
+          </p:sp>
+          <p:sp>
+            <p:nvSpPr>
+              <p:cNvPr id="31" name="TextBox 30">
+                <a:extLst>
+                  <a:ext uri="{FF2B5EF4-FFF2-40B4-BE49-F238E27FC236}">
+                    <a16:creationId xmlns:a16="http://schemas.microsoft.com/office/drawing/2014/main" id="{0CDCA280-D02B-418E-8D17-296FB70CEBBF}"/>
+                  </a:ext>
+                </a:extLst>
+              </p:cNvPr>
+              <p:cNvSpPr txBox="1"/>
+              <p:nvPr/>
+            </p:nvSpPr>
+            <p:spPr>
+              <a:xfrm rot="5400000">
+                <a:off x="7714016" y="1714728"/>
+                <a:ext cx="1101584" cy="646331"/>
+              </a:xfrm>
+              <a:prstGeom prst="rect">
+                <a:avLst/>
+              </a:prstGeom>
+              <a:noFill/>
+            </p:spPr>
+            <p:txBody>
+              <a:bodyPr wrap="none" rtlCol="0">
+                <a:spAutoFit/>
+              </a:bodyPr>
+              <a:lstStyle/>
+              <a:p>
+                <a:r>
+                  <a:rPr lang="en-US" sz="3600" b="1" dirty="0"/>
+                  <a:t>2015</a:t>
+                </a:r>
+              </a:p>
+            </p:txBody>
+          </p:sp>
+          <p:sp>
+            <p:nvSpPr>
+              <p:cNvPr id="32" name="TextBox 31">
+                <a:extLst>
+                  <a:ext uri="{FF2B5EF4-FFF2-40B4-BE49-F238E27FC236}">
+                    <a16:creationId xmlns:a16="http://schemas.microsoft.com/office/drawing/2014/main" id="{7D7F8EEF-AB09-4863-B683-FC1CE546BDA3}"/>
+                  </a:ext>
+                </a:extLst>
+              </p:cNvPr>
+              <p:cNvSpPr txBox="1"/>
+              <p:nvPr/>
+            </p:nvSpPr>
+            <p:spPr>
+              <a:xfrm rot="5400000">
+                <a:off x="9932742" y="1714728"/>
+                <a:ext cx="1101584" cy="646331"/>
+              </a:xfrm>
+              <a:prstGeom prst="rect">
+                <a:avLst/>
+              </a:prstGeom>
+              <a:noFill/>
+            </p:spPr>
+            <p:txBody>
+              <a:bodyPr wrap="none" rtlCol="0">
+                <a:spAutoFit/>
+              </a:bodyPr>
+              <a:lstStyle/>
+              <a:p>
+                <a:r>
+                  <a:rPr lang="en-US" sz="3600" b="1" dirty="0"/>
+                  <a:t>2016</a:t>
+                </a:r>
+              </a:p>
+            </p:txBody>
+          </p:sp>
+        </p:grpSp>
+        <p:sp>
+          <p:nvSpPr>
+            <p:cNvPr id="34" name="TextBox 33">
+              <a:extLst>
+                <a:ext uri="{FF2B5EF4-FFF2-40B4-BE49-F238E27FC236}">
+                  <a16:creationId xmlns:a16="http://schemas.microsoft.com/office/drawing/2014/main" id="{E4680815-8E4D-4680-86A8-C4EFA4F17EFD}"/>
+                </a:ext>
+              </a:extLst>
+            </p:cNvPr>
+            <p:cNvSpPr txBox="1"/>
+            <p:nvPr/>
+          </p:nvSpPr>
+          <p:spPr>
+            <a:xfrm rot="5400000">
+              <a:off x="11140599" y="4467802"/>
+              <a:ext cx="1573861" cy="184666"/>
+            </a:xfrm>
+            <a:prstGeom prst="rect">
+              <a:avLst/>
+            </a:prstGeom>
+            <a:noFill/>
+            <a:ln w="6350">
+              <a:noFill/>
+              <a:prstDash val="dash"/>
+            </a:ln>
+          </p:spPr>
+          <p:txBody>
+            <a:bodyPr wrap="square" lIns="0" tIns="0" rIns="0" bIns="0" rtlCol="0">
+              <a:spAutoFit/>
+            </a:bodyPr>
+            <a:lstStyle/>
+            <a:p>
+              <a:r>
+                <a:rPr lang="en-US" sz="1200" b="1" dirty="0">
+                  <a:latin typeface="Raleway" panose="020B0503030101060003" pitchFamily="34" charset="0"/>
+                </a:rPr>
+                <a:t>Lead Data Scientist</a:t>
+              </a:r>
+            </a:p>
+          </p:txBody>
+        </p:sp>
+        <p:sp>
+          <p:nvSpPr>
+            <p:cNvPr id="35" name="TextBox 34">
+              <a:extLst>
+                <a:ext uri="{FF2B5EF4-FFF2-40B4-BE49-F238E27FC236}">
+                  <a16:creationId xmlns:a16="http://schemas.microsoft.com/office/drawing/2014/main" id="{7F82C56B-74D5-46F3-B283-6126FDC93623}"/>
+                </a:ext>
+              </a:extLst>
+            </p:cNvPr>
+            <p:cNvSpPr txBox="1"/>
+            <p:nvPr/>
+          </p:nvSpPr>
+          <p:spPr>
+            <a:xfrm rot="5400000">
+              <a:off x="10920150" y="4318337"/>
+              <a:ext cx="1532792" cy="276999"/>
+            </a:xfrm>
+            <a:prstGeom prst="rect">
+              <a:avLst/>
+            </a:prstGeom>
+            <a:noFill/>
+          </p:spPr>
+          <p:txBody>
+            <a:bodyPr wrap="none" rtlCol="0">
+              <a:spAutoFit/>
+            </a:bodyPr>
+            <a:lstStyle/>
+            <a:p>
+              <a:r>
+                <a:rPr lang="en-US" sz="1200" dirty="0">
+                  <a:latin typeface="Raleway" panose="020B0503030101060003" pitchFamily="34" charset="0"/>
+                </a:rPr>
+                <a:t>Reliance Industries</a:t>
+              </a:r>
+            </a:p>
+          </p:txBody>
+        </p:sp>
+        <p:sp>
+          <p:nvSpPr>
+            <p:cNvPr id="36" name="TextBox 35">
+              <a:extLst>
+                <a:ext uri="{FF2B5EF4-FFF2-40B4-BE49-F238E27FC236}">
+                  <a16:creationId xmlns:a16="http://schemas.microsoft.com/office/drawing/2014/main" id="{EDDE4404-B25A-4340-922E-056A76E3BD17}"/>
+                </a:ext>
+              </a:extLst>
+            </p:cNvPr>
+            <p:cNvSpPr txBox="1"/>
+            <p:nvPr/>
+          </p:nvSpPr>
+          <p:spPr>
+            <a:xfrm rot="5400000">
+              <a:off x="11214320" y="2485920"/>
+              <a:ext cx="1101584" cy="646331"/>
+            </a:xfrm>
+            <a:prstGeom prst="rect">
+              <a:avLst/>
+            </a:prstGeom>
+            <a:noFill/>
+          </p:spPr>
+          <p:txBody>
+            <a:bodyPr wrap="none" rtlCol="0">
+              <a:spAutoFit/>
+            </a:bodyPr>
+            <a:lstStyle/>
+            <a:p>
+              <a:r>
+                <a:rPr lang="en-US" sz="3600" b="1" dirty="0">
+                  <a:solidFill>
+                    <a:srgbClr val="BDCD49"/>
+                  </a:solidFill>
+                </a:rPr>
+                <a:t>2017</a:t>
+              </a:r>
+            </a:p>
+          </p:txBody>
+        </p:sp>
+        <p:sp>
+          <p:nvSpPr>
+            <p:cNvPr id="37" name="Line 7">
+              <a:extLst>
+                <a:ext uri="{FF2B5EF4-FFF2-40B4-BE49-F238E27FC236}">
+                  <a16:creationId xmlns:a16="http://schemas.microsoft.com/office/drawing/2014/main" id="{53C3D8B8-939E-4255-803F-28C89F482079}"/>
+                </a:ext>
+              </a:extLst>
+            </p:cNvPr>
+            <p:cNvSpPr>
+              <a:spLocks noChangeShapeType="1"/>
+            </p:cNvSpPr>
+            <p:nvPr/>
+          </p:nvSpPr>
+          <p:spPr bwMode="auto">
+            <a:xfrm>
+              <a:off x="9738181" y="3541284"/>
+              <a:ext cx="2090261" cy="0"/>
+            </a:xfrm>
+            <a:prstGeom prst="line">
+              <a:avLst/>
+            </a:prstGeom>
+            <a:noFill/>
+            <a:ln w="12700" cap="flat">
+              <a:solidFill>
+                <a:schemeClr val="tx1">
+                  <a:lumMod val="50000"/>
+                  <a:lumOff val="50000"/>
+                </a:schemeClr>
+              </a:solidFill>
+              <a:prstDash val="solid"/>
+              <a:miter lim="800000"/>
+              <a:headEnd/>
+              <a:tailEnd/>
+            </a:ln>
+            <a:extLst>
+              <a:ext uri="{909E8E84-426E-40DD-AFC4-6F175D3DCCD1}">
+                <a14:hiddenFill xmlns:a14="http://schemas.microsoft.com/office/drawing/2010/main">
+                  <a:noFill/>
+                </a14:hiddenFill>
+              </a:ext>
+            </a:extLst>
+          </p:spPr>
+          <p:txBody>
+            <a:bodyPr vert="horz" wrap="square" lIns="91440" tIns="45720" rIns="91440" bIns="45720" numCol="1" anchor="t" anchorCtr="0" compatLnSpc="1">
+              <a:prstTxWarp prst="textNoShape">
+                <a:avLst/>
+              </a:prstTxWarp>
+            </a:bodyPr>
+            <a:lstStyle/>
+            <a:p>
+              <a:endParaRPr lang="en-US"/>
+            </a:p>
+          </p:txBody>
+        </p:sp>
+        <p:sp>
+          <p:nvSpPr>
+            <p:cNvPr id="38" name="Arc 37">
+              <a:extLst>
+                <a:ext uri="{FF2B5EF4-FFF2-40B4-BE49-F238E27FC236}">
+                  <a16:creationId xmlns:a16="http://schemas.microsoft.com/office/drawing/2014/main" id="{CE7F9C4A-63F8-4FCA-A90F-2E2F9CE9BFC8}"/>
+                </a:ext>
+              </a:extLst>
+            </p:cNvPr>
+            <p:cNvSpPr/>
+            <p:nvPr/>
+          </p:nvSpPr>
+          <p:spPr>
+            <a:xfrm>
+              <a:off x="9402435" y="3373412"/>
+              <a:ext cx="335746" cy="335746"/>
+            </a:xfrm>
+            <a:prstGeom prst="arc">
+              <a:avLst>
+                <a:gd name="adj1" fmla="val 13550007"/>
+                <a:gd name="adj2" fmla="val 8407218"/>
+              </a:avLst>
+            </a:prstGeom>
+            <a:noFill/>
+            <a:ln w="12700">
+              <a:solidFill>
+                <a:schemeClr val="bg1">
+                  <a:lumMod val="50000"/>
+                </a:schemeClr>
+              </a:solidFill>
+            </a:ln>
+          </p:spPr>
+          <p:style>
+            <a:lnRef idx="2">
+              <a:schemeClr val="accent1">
+                <a:shade val="50000"/>
+              </a:schemeClr>
+            </a:lnRef>
+            <a:fillRef idx="1">
+              <a:schemeClr val="accent1"/>
+            </a:fillRef>
+            <a:effectRef idx="0">
+              <a:schemeClr val="accent1"/>
+            </a:effectRef>
+            <a:fontRef idx="minor">
+              <a:schemeClr val="lt1"/>
+            </a:fontRef>
+          </p:style>
+          <p:txBody>
+            <a:bodyPr rtlCol="0" anchor="ctr"/>
+            <a:lstStyle/>
+            <a:p>
+              <a:pPr algn="ctr"/>
+              <a:endParaRPr lang="en-US"/>
+            </a:p>
+          </p:txBody>
+        </p:sp>
+        <p:sp>
+          <p:nvSpPr>
+            <p:cNvPr id="40" name="Oval 39">
+              <a:extLst>
+                <a:ext uri="{FF2B5EF4-FFF2-40B4-BE49-F238E27FC236}">
+                  <a16:creationId xmlns:a16="http://schemas.microsoft.com/office/drawing/2014/main" id="{DF6600F5-AF78-4B15-8481-EB01F91DDA9A}"/>
+                </a:ext>
+              </a:extLst>
+            </p:cNvPr>
+            <p:cNvSpPr/>
+            <p:nvPr/>
+          </p:nvSpPr>
+          <p:spPr>
+            <a:xfrm>
+              <a:off x="11708035" y="3446525"/>
+              <a:ext cx="189518" cy="189518"/>
+            </a:xfrm>
+            <a:prstGeom prst="ellipse">
+              <a:avLst/>
+            </a:prstGeom>
+            <a:solidFill>
+              <a:srgbClr val="BDCD49"/>
+            </a:solidFill>
+            <a:ln>
+              <a:noFill/>
+            </a:ln>
+          </p:spPr>
+          <p:style>
+            <a:lnRef idx="2">
+              <a:schemeClr val="accent1">
+                <a:shade val="50000"/>
+              </a:schemeClr>
+            </a:lnRef>
+            <a:fillRef idx="1">
+              <a:schemeClr val="accent1"/>
+            </a:fillRef>
+            <a:effectRef idx="0">
+              <a:schemeClr val="accent1"/>
+            </a:effectRef>
+            <a:fontRef idx="minor">
+              <a:schemeClr val="lt1"/>
+            </a:fontRef>
+          </p:style>
+          <p:txBody>
+            <a:bodyPr rtlCol="0" anchor="ctr"/>
+            <a:lstStyle/>
+            <a:p>
+              <a:pPr algn="ctr"/>
+              <a:endParaRPr lang="en-US"/>
+            </a:p>
+          </p:txBody>
+        </p:sp>
+      </p:grpSp>
+    </p:spTree>
+    <p:extLst>
+      <p:ext uri="{BB962C8B-B14F-4D97-AF65-F5344CB8AC3E}">
+        <p14:creationId xmlns:p14="http://schemas.microsoft.com/office/powerpoint/2010/main" val="1862407107"/>
       </p:ext>
     </p:extLst>
   </p:cSld>
